--- a/第03期/课堂ppt/powerpoint/第04节.pptx
+++ b/第03期/课堂ppt/powerpoint/第04节.pptx
@@ -13,10 +13,6 @@
     <p:sldId id="258" r:id="rId10"/>
     <p:sldId id="259" r:id="rId11"/>
     <p:sldId id="260" r:id="rId12"/>
-    <p:sldId id="261" r:id="rId13"/>
-    <p:sldId id="262" r:id="rId14"/>
-    <p:sldId id="263" r:id="rId15"/>
-    <p:sldId id="264" r:id="rId16"/>
   </p:sldIdLst>
   <p:sldSz cx="12192000" cy="6858000"/>
   <p:notesSz cx="6858000" cy="9144000"/>
@@ -2759,7 +2755,7 @@
               </a:lnSpc>
             </a:pPr>
             <a:r>
-              <a:t>二叉树相关面试题（续）、并查集、最长递增子序列、LRU结构</a:t>
+              <a:t>二叉树相关面试题（续）、最长递增子序列算法</a:t>
             </a:r>
           </a:p>
           <a:p>
@@ -3550,7 +3546,7 @@
           <a:bodyPr/>
           <a:lstStyle/>
           <a:p>
-            <a:pPr marL="0" indent="0" defTabSz="288036">
+            <a:pPr marL="0" indent="0" defTabSz="457200">
               <a:lnSpc>
                 <a:spcPct val="100000"/>
               </a:lnSpc>
@@ -3560,7 +3556,7 @@
               <a:buSzTx/>
               <a:buFontTx/>
               <a:buNone/>
-              <a:defRPr sz="1637">
+              <a:defRPr sz="2600">
                 <a:solidFill>
                   <a:srgbClr val="4E9072"/>
                 </a:solidFill>
@@ -3571,16 +3567,11 @@
               </a:defRPr>
             </a:pPr>
             <a:r>
-              <a:t>并查集的实现</a:t>
-            </a:r>
-            <a:endParaRPr>
-              <a:solidFill>
-                <a:srgbClr val="000000"/>
-              </a:solidFill>
-            </a:endParaRPr>
-          </a:p>
-          <a:p>
-            <a:pPr marL="0" indent="0" defTabSz="288036">
+              <a:t>最长递增子序列算法</a:t>
+            </a:r>
+          </a:p>
+          <a:p>
+            <a:pPr marL="0" indent="0" defTabSz="457200">
               <a:lnSpc>
                 <a:spcPct val="100000"/>
               </a:lnSpc>
@@ -3590,7 +3581,10 @@
               <a:buSzTx/>
               <a:buFontTx/>
               <a:buNone/>
-              <a:defRPr sz="1637">
+              <a:defRPr sz="2600">
+                <a:solidFill>
+                  <a:srgbClr val="4E9072"/>
+                </a:solidFill>
                 <a:latin typeface="Monaco"/>
                 <a:ea typeface="Monaco"/>
                 <a:cs typeface="Monaco"/>
@@ -3599,7 +3593,7 @@
             </a:pPr>
           </a:p>
           <a:p>
-            <a:pPr marL="0" indent="0" defTabSz="288036">
+            <a:pPr marL="0" indent="0" defTabSz="457200">
               <a:lnSpc>
                 <a:spcPct val="100000"/>
               </a:lnSpc>
@@ -3609,7 +3603,7 @@
               <a:buSzTx/>
               <a:buFontTx/>
               <a:buNone/>
-              <a:defRPr sz="1637">
+              <a:defRPr sz="2600">
                 <a:solidFill>
                   <a:srgbClr val="4E9072"/>
                 </a:solidFill>
@@ -3620,16 +3614,11 @@
               </a:defRPr>
             </a:pPr>
             <a:r>
-              <a:t>笔试的OJ风格介绍+重要IO模版</a:t>
-            </a:r>
-            <a:endParaRPr>
-              <a:solidFill>
-                <a:srgbClr val="000000"/>
-              </a:solidFill>
-            </a:endParaRPr>
-          </a:p>
-          <a:p>
-            <a:pPr marL="0" indent="0" defTabSz="288036">
+              <a:t>O(N*logN)的实现!</a:t>
+            </a:r>
+          </a:p>
+          <a:p>
+            <a:pPr marL="0" indent="0" defTabSz="457200">
               <a:lnSpc>
                 <a:spcPct val="100000"/>
               </a:lnSpc>
@@ -3639,7 +3628,10 @@
               <a:buSzTx/>
               <a:buFontTx/>
               <a:buNone/>
-              <a:defRPr sz="1637">
+              <a:defRPr sz="2600">
+                <a:solidFill>
+                  <a:srgbClr val="4E9072"/>
+                </a:solidFill>
                 <a:latin typeface="Monaco"/>
                 <a:ea typeface="Monaco"/>
                 <a:cs typeface="Monaco"/>
@@ -3648,7 +3640,7 @@
             </a:pPr>
           </a:p>
           <a:p>
-            <a:pPr marL="0" indent="0" defTabSz="288036">
+            <a:pPr marL="0" indent="0" defTabSz="457200">
               <a:lnSpc>
                 <a:spcPct val="100000"/>
               </a:lnSpc>
@@ -3658,7 +3650,7 @@
               <a:buSzTx/>
               <a:buFontTx/>
               <a:buNone/>
-              <a:defRPr sz="1637">
+              <a:defRPr sz="2600">
                 <a:solidFill>
                   <a:srgbClr val="4E9072"/>
                 </a:solidFill>
@@ -3669,16 +3661,11 @@
               </a:defRPr>
             </a:pPr>
             <a:r>
-              <a:t>并查集功能</a:t>
-            </a:r>
-            <a:endParaRPr>
-              <a:solidFill>
-                <a:srgbClr val="000000"/>
-              </a:solidFill>
-            </a:endParaRPr>
-          </a:p>
-          <a:p>
-            <a:pPr marL="0" indent="0" defTabSz="288036">
+              <a:t>测试链接 : </a:t>
+            </a:r>
+          </a:p>
+          <a:p>
+            <a:pPr marL="0" indent="0" defTabSz="457200">
               <a:lnSpc>
                 <a:spcPct val="100000"/>
               </a:lnSpc>
@@ -3688,7 +3675,7 @@
               <a:buSzTx/>
               <a:buFontTx/>
               <a:buNone/>
-              <a:defRPr sz="1637">
+              <a:defRPr sz="2600">
                 <a:solidFill>
                   <a:srgbClr val="4E9072"/>
                 </a:solidFill>
@@ -3699,223 +3686,7 @@
               </a:defRPr>
             </a:pPr>
             <a:r>
-              <a:t>有若干个样本a、b、c、d…类型假设是V</a:t>
-            </a:r>
-            <a:endParaRPr>
-              <a:solidFill>
-                <a:srgbClr val="000000"/>
-              </a:solidFill>
-            </a:endParaRPr>
-          </a:p>
-          <a:p>
-            <a:pPr marL="0" indent="0" defTabSz="288036">
-              <a:lnSpc>
-                <a:spcPct val="100000"/>
-              </a:lnSpc>
-              <a:spcBef>
-                <a:spcPts val="0"/>
-              </a:spcBef>
-              <a:buSzTx/>
-              <a:buFontTx/>
-              <a:buNone/>
-              <a:defRPr sz="1637">
-                <a:solidFill>
-                  <a:srgbClr val="4E9072"/>
-                </a:solidFill>
-                <a:latin typeface="Monaco"/>
-                <a:ea typeface="Monaco"/>
-                <a:cs typeface="Monaco"/>
-                <a:sym typeface="Monaco"/>
-              </a:defRPr>
-            </a:pPr>
-            <a:r>
-              <a:t>在并查集中一开始认为每个样本都在单独的集合里</a:t>
-            </a:r>
-            <a:endParaRPr>
-              <a:solidFill>
-                <a:srgbClr val="000000"/>
-              </a:solidFill>
-            </a:endParaRPr>
-          </a:p>
-          <a:p>
-            <a:pPr marL="0" indent="0" defTabSz="288036">
-              <a:lnSpc>
-                <a:spcPct val="100000"/>
-              </a:lnSpc>
-              <a:spcBef>
-                <a:spcPts val="0"/>
-              </a:spcBef>
-              <a:buSzTx/>
-              <a:buFontTx/>
-              <a:buNone/>
-              <a:defRPr sz="1637">
-                <a:solidFill>
-                  <a:srgbClr val="4E9072"/>
-                </a:solidFill>
-                <a:latin typeface="Monaco"/>
-                <a:ea typeface="Monaco"/>
-                <a:cs typeface="Monaco"/>
-                <a:sym typeface="Monaco"/>
-              </a:defRPr>
-            </a:pPr>
-            <a:r>
-              <a:t>用户可以在任何时候调用如下两个方法：</a:t>
-            </a:r>
-            <a:endParaRPr>
-              <a:solidFill>
-                <a:srgbClr val="000000"/>
-              </a:solidFill>
-            </a:endParaRPr>
-          </a:p>
-          <a:p>
-            <a:pPr marL="0" indent="0" defTabSz="288036">
-              <a:lnSpc>
-                <a:spcPct val="100000"/>
-              </a:lnSpc>
-              <a:spcBef>
-                <a:spcPts val="0"/>
-              </a:spcBef>
-              <a:buSzTx/>
-              <a:buFontTx/>
-              <a:buNone/>
-              <a:defRPr sz="1637">
-                <a:solidFill>
-                  <a:srgbClr val="4E9072"/>
-                </a:solidFill>
-                <a:latin typeface="Monaco"/>
-                <a:ea typeface="Monaco"/>
-                <a:cs typeface="Monaco"/>
-                <a:sym typeface="Monaco"/>
-              </a:defRPr>
-            </a:pPr>
-            <a:r>
-              <a:rPr>
-                <a:solidFill>
-                  <a:srgbClr val="000000"/>
-                </a:solidFill>
-              </a:rPr>
-              <a:t>    </a:t>
-            </a:r>
-            <a:r>
-              <a:t>boolean isSameSet(V x, V y) : 查询样本x和样本y是否属于一个集合</a:t>
-            </a:r>
-            <a:endParaRPr>
-              <a:solidFill>
-                <a:srgbClr val="000000"/>
-              </a:solidFill>
-            </a:endParaRPr>
-          </a:p>
-          <a:p>
-            <a:pPr marL="0" indent="0" defTabSz="288036">
-              <a:lnSpc>
-                <a:spcPct val="100000"/>
-              </a:lnSpc>
-              <a:spcBef>
-                <a:spcPts val="0"/>
-              </a:spcBef>
-              <a:buSzTx/>
-              <a:buFontTx/>
-              <a:buNone/>
-              <a:defRPr sz="1637">
-                <a:solidFill>
-                  <a:srgbClr val="4E9072"/>
-                </a:solidFill>
-                <a:latin typeface="Monaco"/>
-                <a:ea typeface="Monaco"/>
-                <a:cs typeface="Monaco"/>
-                <a:sym typeface="Monaco"/>
-              </a:defRPr>
-            </a:pPr>
-            <a:r>
-              <a:rPr>
-                <a:solidFill>
-                  <a:srgbClr val="000000"/>
-                </a:solidFill>
-              </a:rPr>
-              <a:t>    </a:t>
-            </a:r>
-            <a:r>
-              <a:t>void union(V x, V y) : 把x和y各自所在集合的所有样本合并成一个集合</a:t>
-            </a:r>
-            <a:endParaRPr>
-              <a:solidFill>
-                <a:srgbClr val="000000"/>
-              </a:solidFill>
-            </a:endParaRPr>
-          </a:p>
-          <a:p>
-            <a:pPr marL="0" indent="0" defTabSz="288036">
-              <a:lnSpc>
-                <a:spcPct val="100000"/>
-              </a:lnSpc>
-              <a:spcBef>
-                <a:spcPts val="0"/>
-              </a:spcBef>
-              <a:buSzTx/>
-              <a:buFontTx/>
-              <a:buNone/>
-              <a:defRPr sz="1637">
-                <a:solidFill>
-                  <a:srgbClr val="4E9072"/>
-                </a:solidFill>
-                <a:latin typeface="Monaco"/>
-                <a:ea typeface="Monaco"/>
-                <a:cs typeface="Monaco"/>
-                <a:sym typeface="Monaco"/>
-              </a:defRPr>
-            </a:pPr>
-            <a:r>
-              <a:t>isSameSet和union方法的代价越低越好</a:t>
-            </a:r>
-          </a:p>
-          <a:p>
-            <a:pPr marL="0" indent="0" defTabSz="288036">
-              <a:lnSpc>
-                <a:spcPct val="100000"/>
-              </a:lnSpc>
-              <a:spcBef>
-                <a:spcPts val="0"/>
-              </a:spcBef>
-              <a:buSzTx/>
-              <a:buFontTx/>
-              <a:buNone/>
-              <a:defRPr sz="1637">
-                <a:solidFill>
-                  <a:srgbClr val="4E9072"/>
-                </a:solidFill>
-                <a:latin typeface="Monaco"/>
-                <a:ea typeface="Monaco"/>
-                <a:cs typeface="Monaco"/>
-                <a:sym typeface="Monaco"/>
-              </a:defRPr>
-            </a:pPr>
-            <a:r>
-              <a:t>测试链接 : </a:t>
-            </a:r>
-          </a:p>
-          <a:p>
-            <a:pPr marL="0" indent="0" defTabSz="288036">
-              <a:lnSpc>
-                <a:spcPct val="100000"/>
-              </a:lnSpc>
-              <a:spcBef>
-                <a:spcPts val="0"/>
-              </a:spcBef>
-              <a:buSzTx/>
-              <a:buFontTx/>
-              <a:buNone/>
-              <a:defRPr sz="1637">
-                <a:solidFill>
-                  <a:srgbClr val="4E9072"/>
-                </a:solidFill>
-                <a:latin typeface="Monaco"/>
-                <a:ea typeface="Monaco"/>
-                <a:cs typeface="Monaco"/>
-                <a:sym typeface="Monaco"/>
-              </a:defRPr>
-            </a:pPr>
-            <a:r>
-              <a:t>https://www.nowcoder.com/questionTerminal/e7ed657974934a30b2010046536a5372</a:t>
+              <a:t>https://leetcode.cn/problems/longest-increasing-subsequence</a:t>
             </a:r>
           </a:p>
         </p:txBody>
@@ -4047,7 +3818,7 @@
           <a:p>
             <a:pPr/>
             <a:r>
-              <a:t>题目03</a:t>
+              <a:t>题目04</a:t>
             </a:r>
           </a:p>
         </p:txBody>
@@ -4073,7 +3844,7 @@
           <a:bodyPr/>
           <a:lstStyle/>
           <a:p>
-            <a:pPr marL="0" indent="0" defTabSz="333756">
+            <a:pPr marL="0" indent="0" defTabSz="379475">
               <a:lnSpc>
                 <a:spcPct val="100000"/>
               </a:lnSpc>
@@ -4083,7 +3854,7 @@
               <a:buSzTx/>
               <a:buFontTx/>
               <a:buNone/>
-              <a:defRPr sz="1898">
+              <a:defRPr sz="2158">
                 <a:solidFill>
                   <a:srgbClr val="4E9072"/>
                 </a:solidFill>
@@ -4094,7 +3865,7 @@
               </a:defRPr>
             </a:pPr>
             <a:r>
-              <a:t>并查集的设计</a:t>
+              <a:t>给你一个二维整数数组 envelopes</a:t>
             </a:r>
             <a:endParaRPr>
               <a:solidFill>
@@ -4103,7 +3874,7 @@
             </a:endParaRPr>
           </a:p>
           <a:p>
-            <a:pPr marL="0" indent="0" defTabSz="333756">
+            <a:pPr marL="0" indent="0" defTabSz="379475">
               <a:lnSpc>
                 <a:spcPct val="100000"/>
               </a:lnSpc>
@@ -4113,7 +3884,7 @@
               <a:buSzTx/>
               <a:buFontTx/>
               <a:buNone/>
-              <a:defRPr sz="1898">
+              <a:defRPr sz="2158">
                 <a:solidFill>
                   <a:srgbClr val="4E9072"/>
                 </a:solidFill>
@@ -4124,7 +3895,21 @@
               </a:defRPr>
             </a:pPr>
             <a:r>
-              <a:t>1）每个节点都有一条往上指的指针</a:t>
+              <a:t>其中 envelopes[i] = [</a:t>
+            </a:r>
+            <a:r>
+              <a:rPr u="sng"/>
+              <a:t>wi</a:t>
+            </a:r>
+            <a:r>
+              <a:t>, </a:t>
+            </a:r>
+            <a:r>
+              <a:rPr u="sng"/>
+              <a:t>hi</a:t>
+            </a:r>
+            <a:r>
+              <a:t>], 表示第 i 个信封的宽度和高度。</a:t>
             </a:r>
             <a:endParaRPr>
               <a:solidFill>
@@ -4133,7 +3918,7 @@
             </a:endParaRPr>
           </a:p>
           <a:p>
-            <a:pPr marL="0" indent="0" defTabSz="333756">
+            <a:pPr marL="0" indent="0" defTabSz="379475">
               <a:lnSpc>
                 <a:spcPct val="100000"/>
               </a:lnSpc>
@@ -4143,7 +3928,7 @@
               <a:buSzTx/>
               <a:buFontTx/>
               <a:buNone/>
-              <a:defRPr sz="1898">
+              <a:defRPr sz="2158">
                 <a:solidFill>
                   <a:srgbClr val="4E9072"/>
                 </a:solidFill>
@@ -4154,7 +3939,7 @@
               </a:defRPr>
             </a:pPr>
             <a:r>
-              <a:t>2）节点a往上找到的头节点，叫做a所在集合的代表节点</a:t>
+              <a:t>当另一个信封的宽度和高度都比这个信封大的时候，这个信封就可以放进另一个信封里</a:t>
             </a:r>
             <a:endParaRPr>
               <a:solidFill>
@@ -4163,7 +3948,7 @@
             </a:endParaRPr>
           </a:p>
           <a:p>
-            <a:pPr marL="0" indent="0" defTabSz="333756">
+            <a:pPr marL="0" indent="0" defTabSz="379475">
               <a:lnSpc>
                 <a:spcPct val="100000"/>
               </a:lnSpc>
@@ -4173,7 +3958,7 @@
               <a:buSzTx/>
               <a:buFontTx/>
               <a:buNone/>
-              <a:defRPr sz="1898">
+              <a:defRPr sz="2158">
                 <a:solidFill>
                   <a:srgbClr val="4E9072"/>
                 </a:solidFill>
@@ -4184,7 +3969,7 @@
               </a:defRPr>
             </a:pPr>
             <a:r>
-              <a:t>3）查询x和y是否属于同一个集合，就是看看找到的代表节点是不是一个</a:t>
+              <a:t>如同俄罗斯套娃一样</a:t>
             </a:r>
             <a:endParaRPr>
               <a:solidFill>
@@ -4193,7 +3978,7 @@
             </a:endParaRPr>
           </a:p>
           <a:p>
-            <a:pPr marL="0" indent="0" defTabSz="333756">
+            <a:pPr marL="0" indent="0" defTabSz="379475">
               <a:lnSpc>
                 <a:spcPct val="100000"/>
               </a:lnSpc>
@@ -4203,7 +3988,7 @@
               <a:buSzTx/>
               <a:buFontTx/>
               <a:buNone/>
-              <a:defRPr sz="1898">
+              <a:defRPr sz="2158">
                 <a:solidFill>
                   <a:srgbClr val="4E9072"/>
                 </a:solidFill>
@@ -4214,11 +3999,16 @@
               </a:defRPr>
             </a:pPr>
             <a:r>
-              <a:t>4）把x和y各自所在集合的所有点合并成一个集合，</a:t>
-            </a:r>
-          </a:p>
-          <a:p>
-            <a:pPr marL="0" indent="0" defTabSz="333756">
+              <a:t>请计算 最多能有多少个 信封能组成一组“俄罗斯套娃”信封</a:t>
+            </a:r>
+            <a:endParaRPr>
+              <a:solidFill>
+                <a:srgbClr val="000000"/>
+              </a:solidFill>
+            </a:endParaRPr>
+          </a:p>
+          <a:p>
+            <a:pPr marL="0" indent="0" defTabSz="379475">
               <a:lnSpc>
                 <a:spcPct val="100000"/>
               </a:lnSpc>
@@ -4228,7 +4018,7 @@
               <a:buSzTx/>
               <a:buFontTx/>
               <a:buNone/>
-              <a:defRPr sz="1898">
+              <a:defRPr sz="2158">
                 <a:solidFill>
                   <a:srgbClr val="4E9072"/>
                 </a:solidFill>
@@ -4239,7 +4029,7 @@
               </a:defRPr>
             </a:pPr>
             <a:r>
-              <a:t>    只需要小集合的代表点挂在大集合的代表点的下方即可</a:t>
+              <a:t>即可以把一个信封放到另一个信封里面</a:t>
             </a:r>
             <a:endParaRPr>
               <a:solidFill>
@@ -4248,7 +4038,7 @@
             </a:endParaRPr>
           </a:p>
           <a:p>
-            <a:pPr marL="0" indent="0" defTabSz="333756">
+            <a:pPr marL="0" indent="0" defTabSz="379475">
               <a:lnSpc>
                 <a:spcPct val="100000"/>
               </a:lnSpc>
@@ -4258,16 +4048,27 @@
               <a:buSzTx/>
               <a:buFontTx/>
               <a:buNone/>
-              <a:defRPr sz="1898">
+              <a:defRPr sz="2158">
+                <a:solidFill>
+                  <a:srgbClr val="4E9072"/>
+                </a:solidFill>
                 <a:latin typeface="Monaco"/>
                 <a:ea typeface="Monaco"/>
                 <a:cs typeface="Monaco"/>
                 <a:sym typeface="Monaco"/>
               </a:defRPr>
             </a:pPr>
-          </a:p>
-          <a:p>
-            <a:pPr marL="0" indent="0" defTabSz="333756">
+            <a:r>
+              <a:t>注意：不允许旋转信封</a:t>
+            </a:r>
+            <a:endParaRPr>
+              <a:solidFill>
+                <a:srgbClr val="000000"/>
+              </a:solidFill>
+            </a:endParaRPr>
+          </a:p>
+          <a:p>
+            <a:pPr marL="0" indent="0" defTabSz="379475">
               <a:lnSpc>
                 <a:spcPct val="100000"/>
               </a:lnSpc>
@@ -4277,7 +4078,7 @@
               <a:buSzTx/>
               <a:buFontTx/>
               <a:buNone/>
-              <a:defRPr sz="1898">
+              <a:defRPr sz="2158">
                 <a:solidFill>
                   <a:srgbClr val="4E9072"/>
                 </a:solidFill>
@@ -4288,16 +4089,11 @@
               </a:defRPr>
             </a:pPr>
             <a:r>
-              <a:t>并查集的优化</a:t>
-            </a:r>
-            <a:endParaRPr>
-              <a:solidFill>
-                <a:srgbClr val="000000"/>
-              </a:solidFill>
-            </a:endParaRPr>
-          </a:p>
-          <a:p>
-            <a:pPr marL="0" indent="0" defTabSz="333756">
+              <a:t>本题测试链接 : </a:t>
+            </a:r>
+          </a:p>
+          <a:p>
+            <a:pPr marL="0" indent="0" defTabSz="379475">
               <a:lnSpc>
                 <a:spcPct val="100000"/>
               </a:lnSpc>
@@ -4307,7 +4103,7 @@
               <a:buSzTx/>
               <a:buFontTx/>
               <a:buNone/>
-              <a:defRPr sz="1898">
+              <a:defRPr sz="2158">
                 <a:solidFill>
                   <a:srgbClr val="4E9072"/>
                 </a:solidFill>
@@ -4318,67 +4114,7 @@
               </a:defRPr>
             </a:pPr>
             <a:r>
-              <a:t>1）节点往上找代表点的过程，把沿途的链变成扁平的</a:t>
-            </a:r>
-            <a:endParaRPr>
-              <a:solidFill>
-                <a:srgbClr val="000000"/>
-              </a:solidFill>
-            </a:endParaRPr>
-          </a:p>
-          <a:p>
-            <a:pPr marL="0" indent="0" defTabSz="333756">
-              <a:lnSpc>
-                <a:spcPct val="100000"/>
-              </a:lnSpc>
-              <a:spcBef>
-                <a:spcPts val="0"/>
-              </a:spcBef>
-              <a:buSzTx/>
-              <a:buFontTx/>
-              <a:buNone/>
-              <a:defRPr sz="1898">
-                <a:solidFill>
-                  <a:srgbClr val="4E9072"/>
-                </a:solidFill>
-                <a:latin typeface="Monaco"/>
-                <a:ea typeface="Monaco"/>
-                <a:cs typeface="Monaco"/>
-                <a:sym typeface="Monaco"/>
-              </a:defRPr>
-            </a:pPr>
-            <a:r>
-              <a:t>2）小集合挂在大集合的下面</a:t>
-            </a:r>
-            <a:endParaRPr>
-              <a:solidFill>
-                <a:srgbClr val="000000"/>
-              </a:solidFill>
-            </a:endParaRPr>
-          </a:p>
-          <a:p>
-            <a:pPr marL="0" indent="0" defTabSz="333756">
-              <a:lnSpc>
-                <a:spcPct val="100000"/>
-              </a:lnSpc>
-              <a:spcBef>
-                <a:spcPts val="0"/>
-              </a:spcBef>
-              <a:buSzTx/>
-              <a:buFontTx/>
-              <a:buNone/>
-              <a:defRPr sz="1898">
-                <a:solidFill>
-                  <a:srgbClr val="4E9072"/>
-                </a:solidFill>
-                <a:latin typeface="Monaco"/>
-                <a:ea typeface="Monaco"/>
-                <a:cs typeface="Monaco"/>
-                <a:sym typeface="Monaco"/>
-              </a:defRPr>
-            </a:pPr>
-            <a:r>
-              <a:t>3）如果方法调用很频繁，那么单次调用的代价为O(1)，两个方法都如此</a:t>
+              <a:t>https://leetcode.cn/problems/russian-doll-envelopes/</a:t>
             </a:r>
           </a:p>
         </p:txBody>
@@ -4386,1435 +4122,6 @@
       <p:pic>
         <p:nvPicPr>
           <p:cNvPr id="117" name="图片 4" descr="图片 4"/>
-          <p:cNvPicPr>
-            <a:picLocks noChangeAspect="1"/>
-          </p:cNvPicPr>
-          <p:nvPr/>
-        </p:nvPicPr>
-        <p:blipFill>
-          <a:blip r:embed="rId2">
-            <a:extLst/>
-          </a:blip>
-          <a:stretch>
-            <a:fillRect/>
-          </a:stretch>
-        </p:blipFill>
-        <p:spPr>
-          <a:xfrm>
-            <a:off x="43939" y="32544"/>
-            <a:ext cx="1635139" cy="1043783"/>
-          </a:xfrm>
-          <a:prstGeom prst="rect">
-            <a:avLst/>
-          </a:prstGeom>
-          <a:ln w="12700">
-            <a:miter lim="400000"/>
-          </a:ln>
-        </p:spPr>
-      </p:pic>
-    </p:spTree>
-  </p:cSld>
-  <p:clrMapOvr>
-    <a:masterClrMapping/>
-  </p:clrMapOvr>
-  <p:transition xmlns:p14="http://schemas.microsoft.com/office/powerpoint/2010/main" spd="med" advClick="1"/>
-</p:sld>
-</file>
-
-<file path=ppt/slides/slide6.xml><?xml version="1.0" encoding="utf-8"?>
-<p:sld xmlns:a="http://schemas.openxmlformats.org/drawingml/2006/main" xmlns:r="http://schemas.openxmlformats.org/officeDocument/2006/relationships" xmlns:p="http://schemas.openxmlformats.org/presentationml/2006/main" xmlns:m="http://schemas.openxmlformats.org/officeDocument/2006/math" xmlns:a14="http://schemas.microsoft.com/office/drawing/2010/main" showMasterSp="1" showMasterPhAnim="1">
-  <p:cSld>
-    <p:spTree>
-      <p:nvGrpSpPr>
-        <p:cNvPr id="1" name=""/>
-        <p:cNvGrpSpPr/>
-        <p:nvPr/>
-      </p:nvGrpSpPr>
-      <p:grpSpPr>
-        <a:xfrm>
-          <a:off x="0" y="0"/>
-          <a:ext cx="0" cy="0"/>
-          <a:chOff x="0" y="0"/>
-          <a:chExt cx="0" cy="0"/>
-        </a:xfrm>
-      </p:grpSpPr>
-      <p:sp>
-        <p:nvSpPr>
-          <p:cNvPr id="119" name="页脚占位符 3"/>
-          <p:cNvSpPr txBox="1"/>
-          <p:nvPr/>
-        </p:nvSpPr>
-        <p:spPr>
-          <a:xfrm>
-            <a:off x="4084320" y="6385242"/>
-            <a:ext cx="4023360" cy="307341"/>
-          </a:xfrm>
-          <a:prstGeom prst="rect">
-            <a:avLst/>
-          </a:prstGeom>
-          <a:ln w="12700">
-            <a:miter lim="400000"/>
-          </a:ln>
-          <a:extLst>
-            <a:ext uri="{C572A759-6A51-4108-AA02-DFA0A04FC94B}">
-              <ma14:wrappingTextBoxFlag xmlns:ma14="http://schemas.microsoft.com/office/mac/drawingml/2011/main" val="1"/>
-            </a:ext>
-          </a:extLst>
-        </p:spPr>
-        <p:txBody>
-          <a:bodyPr lIns="45719" rIns="45719" anchor="ctr">
-            <a:spAutoFit/>
-          </a:bodyPr>
-          <a:lstStyle/>
-          <a:p>
-            <a:pPr algn="ctr">
-              <a:defRPr sz="1200">
-                <a:solidFill>
-                  <a:srgbClr val="888888"/>
-                </a:solidFill>
-              </a:defRPr>
-            </a:pPr>
-            <a:r>
-              <a:t>马士兵教育 </a:t>
-            </a:r>
-            <a:r>
-              <a:t>http://mashibing.com</a:t>
-            </a:r>
-          </a:p>
-        </p:txBody>
-      </p:sp>
-      <p:sp>
-        <p:nvSpPr>
-          <p:cNvPr id="120" name="标题 1"/>
-          <p:cNvSpPr txBox="1"/>
-          <p:nvPr>
-            <p:ph type="title"/>
-          </p:nvPr>
-        </p:nvSpPr>
-        <p:spPr>
-          <a:xfrm>
-            <a:off x="838200" y="900238"/>
-            <a:ext cx="10515600" cy="710952"/>
-          </a:xfrm>
-          <a:prstGeom prst="rect">
-            <a:avLst/>
-          </a:prstGeom>
-        </p:spPr>
-        <p:txBody>
-          <a:bodyPr/>
-          <a:lstStyle>
-            <a:lvl1pPr>
-              <a:defRPr sz="3200"/>
-            </a:lvl1pPr>
-          </a:lstStyle>
-          <a:p>
-            <a:pPr/>
-            <a:r>
-              <a:t>题目04</a:t>
-            </a:r>
-          </a:p>
-        </p:txBody>
-      </p:sp>
-      <p:sp>
-        <p:nvSpPr>
-          <p:cNvPr id="121" name="内容占位符 2"/>
-          <p:cNvSpPr txBox="1"/>
-          <p:nvPr>
-            <p:ph type="body" idx="1"/>
-          </p:nvPr>
-        </p:nvSpPr>
-        <p:spPr>
-          <a:xfrm>
-            <a:off x="838200" y="2038410"/>
-            <a:ext cx="10515600" cy="3919611"/>
-          </a:xfrm>
-          <a:prstGeom prst="rect">
-            <a:avLst/>
-          </a:prstGeom>
-        </p:spPr>
-        <p:txBody>
-          <a:bodyPr/>
-          <a:lstStyle/>
-          <a:p>
-            <a:pPr marL="0" indent="0" defTabSz="333756">
-              <a:lnSpc>
-                <a:spcPct val="100000"/>
-              </a:lnSpc>
-              <a:spcBef>
-                <a:spcPts val="0"/>
-              </a:spcBef>
-              <a:buSzTx/>
-              <a:buFontTx/>
-              <a:buNone/>
-              <a:defRPr sz="1898">
-                <a:solidFill>
-                  <a:srgbClr val="4E9072"/>
-                </a:solidFill>
-                <a:latin typeface="Monaco"/>
-                <a:ea typeface="Monaco"/>
-                <a:cs typeface="Monaco"/>
-                <a:sym typeface="Monaco"/>
-              </a:defRPr>
-            </a:pPr>
-            <a:r>
-              <a:t>有 n 个城市，其中一些彼此相连，另一些没有相连</a:t>
-            </a:r>
-            <a:endParaRPr>
-              <a:solidFill>
-                <a:srgbClr val="000000"/>
-              </a:solidFill>
-            </a:endParaRPr>
-          </a:p>
-          <a:p>
-            <a:pPr marL="0" indent="0" defTabSz="333756">
-              <a:lnSpc>
-                <a:spcPct val="100000"/>
-              </a:lnSpc>
-              <a:spcBef>
-                <a:spcPts val="0"/>
-              </a:spcBef>
-              <a:buSzTx/>
-              <a:buFontTx/>
-              <a:buNone/>
-              <a:defRPr sz="1898">
-                <a:solidFill>
-                  <a:srgbClr val="4E9072"/>
-                </a:solidFill>
-                <a:latin typeface="Monaco"/>
-                <a:ea typeface="Monaco"/>
-                <a:cs typeface="Monaco"/>
-                <a:sym typeface="Monaco"/>
-              </a:defRPr>
-            </a:pPr>
-            <a:r>
-              <a:t>如果城市 a 与城市 b 直接相连</a:t>
-            </a:r>
-            <a:endParaRPr>
-              <a:solidFill>
-                <a:srgbClr val="000000"/>
-              </a:solidFill>
-            </a:endParaRPr>
-          </a:p>
-          <a:p>
-            <a:pPr marL="0" indent="0" defTabSz="333756">
-              <a:lnSpc>
-                <a:spcPct val="100000"/>
-              </a:lnSpc>
-              <a:spcBef>
-                <a:spcPts val="0"/>
-              </a:spcBef>
-              <a:buSzTx/>
-              <a:buFontTx/>
-              <a:buNone/>
-              <a:defRPr sz="1898">
-                <a:solidFill>
-                  <a:srgbClr val="4E9072"/>
-                </a:solidFill>
-                <a:latin typeface="Monaco"/>
-                <a:ea typeface="Monaco"/>
-                <a:cs typeface="Monaco"/>
-                <a:sym typeface="Monaco"/>
-              </a:defRPr>
-            </a:pPr>
-            <a:r>
-              <a:t>且城市 b 与城市 c 直接相连</a:t>
-            </a:r>
-            <a:endParaRPr>
-              <a:solidFill>
-                <a:srgbClr val="000000"/>
-              </a:solidFill>
-            </a:endParaRPr>
-          </a:p>
-          <a:p>
-            <a:pPr marL="0" indent="0" defTabSz="333756">
-              <a:lnSpc>
-                <a:spcPct val="100000"/>
-              </a:lnSpc>
-              <a:spcBef>
-                <a:spcPts val="0"/>
-              </a:spcBef>
-              <a:buSzTx/>
-              <a:buFontTx/>
-              <a:buNone/>
-              <a:defRPr sz="1898">
-                <a:solidFill>
-                  <a:srgbClr val="4E9072"/>
-                </a:solidFill>
-                <a:latin typeface="Monaco"/>
-                <a:ea typeface="Monaco"/>
-                <a:cs typeface="Monaco"/>
-                <a:sym typeface="Monaco"/>
-              </a:defRPr>
-            </a:pPr>
-            <a:r>
-              <a:t>那么城市 a 与城市 c 间接相连</a:t>
-            </a:r>
-            <a:endParaRPr>
-              <a:solidFill>
-                <a:srgbClr val="000000"/>
-              </a:solidFill>
-            </a:endParaRPr>
-          </a:p>
-          <a:p>
-            <a:pPr marL="0" indent="0" defTabSz="333756">
-              <a:lnSpc>
-                <a:spcPct val="100000"/>
-              </a:lnSpc>
-              <a:spcBef>
-                <a:spcPts val="0"/>
-              </a:spcBef>
-              <a:buSzTx/>
-              <a:buFontTx/>
-              <a:buNone/>
-              <a:defRPr sz="1898">
-                <a:solidFill>
-                  <a:srgbClr val="4E9072"/>
-                </a:solidFill>
-                <a:latin typeface="Monaco"/>
-                <a:ea typeface="Monaco"/>
-                <a:cs typeface="Monaco"/>
-                <a:sym typeface="Monaco"/>
-              </a:defRPr>
-            </a:pPr>
-            <a:r>
-              <a:t>省份 是一组直接或间接相连的城市</a:t>
-            </a:r>
-            <a:endParaRPr>
-              <a:solidFill>
-                <a:srgbClr val="000000"/>
-              </a:solidFill>
-            </a:endParaRPr>
-          </a:p>
-          <a:p>
-            <a:pPr marL="0" indent="0" defTabSz="333756">
-              <a:lnSpc>
-                <a:spcPct val="100000"/>
-              </a:lnSpc>
-              <a:spcBef>
-                <a:spcPts val="0"/>
-              </a:spcBef>
-              <a:buSzTx/>
-              <a:buFontTx/>
-              <a:buNone/>
-              <a:defRPr sz="1898">
-                <a:solidFill>
-                  <a:srgbClr val="4E9072"/>
-                </a:solidFill>
-                <a:latin typeface="Monaco"/>
-                <a:ea typeface="Monaco"/>
-                <a:cs typeface="Monaco"/>
-                <a:sym typeface="Monaco"/>
-              </a:defRPr>
-            </a:pPr>
-            <a:r>
-              <a:t>组内不含其他没有相连的城市。</a:t>
-            </a:r>
-            <a:endParaRPr>
-              <a:solidFill>
-                <a:srgbClr val="000000"/>
-              </a:solidFill>
-            </a:endParaRPr>
-          </a:p>
-          <a:p>
-            <a:pPr marL="0" indent="0" defTabSz="333756">
-              <a:lnSpc>
-                <a:spcPct val="100000"/>
-              </a:lnSpc>
-              <a:spcBef>
-                <a:spcPts val="0"/>
-              </a:spcBef>
-              <a:buSzTx/>
-              <a:buFontTx/>
-              <a:buNone/>
-              <a:defRPr sz="1898">
-                <a:solidFill>
-                  <a:srgbClr val="4E9072"/>
-                </a:solidFill>
-                <a:latin typeface="Monaco"/>
-                <a:ea typeface="Monaco"/>
-                <a:cs typeface="Monaco"/>
-                <a:sym typeface="Monaco"/>
-              </a:defRPr>
-            </a:pPr>
-            <a:r>
-              <a:t>给你一个 n x n 的矩阵 isConnected</a:t>
-            </a:r>
-            <a:endParaRPr>
-              <a:solidFill>
-                <a:srgbClr val="000000"/>
-              </a:solidFill>
-            </a:endParaRPr>
-          </a:p>
-          <a:p>
-            <a:pPr marL="0" indent="0" defTabSz="333756">
-              <a:lnSpc>
-                <a:spcPct val="100000"/>
-              </a:lnSpc>
-              <a:spcBef>
-                <a:spcPts val="0"/>
-              </a:spcBef>
-              <a:buSzTx/>
-              <a:buFontTx/>
-              <a:buNone/>
-              <a:defRPr sz="1898">
-                <a:solidFill>
-                  <a:srgbClr val="4E9072"/>
-                </a:solidFill>
-                <a:latin typeface="Monaco"/>
-                <a:ea typeface="Monaco"/>
-                <a:cs typeface="Monaco"/>
-                <a:sym typeface="Monaco"/>
-              </a:defRPr>
-            </a:pPr>
-            <a:r>
-              <a:t>其中 isConnected[i][j] = 1 表示第 i 个城市和第 j 个城市直接相连</a:t>
-            </a:r>
-            <a:endParaRPr>
-              <a:solidFill>
-                <a:srgbClr val="000000"/>
-              </a:solidFill>
-            </a:endParaRPr>
-          </a:p>
-          <a:p>
-            <a:pPr marL="0" indent="0" defTabSz="333756">
-              <a:lnSpc>
-                <a:spcPct val="100000"/>
-              </a:lnSpc>
-              <a:spcBef>
-                <a:spcPts val="0"/>
-              </a:spcBef>
-              <a:buSzTx/>
-              <a:buFontTx/>
-              <a:buNone/>
-              <a:defRPr sz="1898">
-                <a:solidFill>
-                  <a:srgbClr val="4E9072"/>
-                </a:solidFill>
-                <a:latin typeface="Monaco"/>
-                <a:ea typeface="Monaco"/>
-                <a:cs typeface="Monaco"/>
-                <a:sym typeface="Monaco"/>
-              </a:defRPr>
-            </a:pPr>
-            <a:r>
-              <a:t>而 isConnected[i][j] = 0 表示二者不直接相连。</a:t>
-            </a:r>
-            <a:endParaRPr>
-              <a:solidFill>
-                <a:srgbClr val="000000"/>
-              </a:solidFill>
-            </a:endParaRPr>
-          </a:p>
-          <a:p>
-            <a:pPr marL="0" indent="0" defTabSz="333756">
-              <a:lnSpc>
-                <a:spcPct val="100000"/>
-              </a:lnSpc>
-              <a:spcBef>
-                <a:spcPts val="0"/>
-              </a:spcBef>
-              <a:buSzTx/>
-              <a:buFontTx/>
-              <a:buNone/>
-              <a:defRPr sz="1898">
-                <a:solidFill>
-                  <a:srgbClr val="4E9072"/>
-                </a:solidFill>
-                <a:latin typeface="Monaco"/>
-                <a:ea typeface="Monaco"/>
-                <a:cs typeface="Monaco"/>
-                <a:sym typeface="Monaco"/>
-              </a:defRPr>
-            </a:pPr>
-            <a:r>
-              <a:t>返回矩阵中 省份 的数量。</a:t>
-            </a:r>
-            <a:endParaRPr>
-              <a:solidFill>
-                <a:srgbClr val="000000"/>
-              </a:solidFill>
-            </a:endParaRPr>
-          </a:p>
-          <a:p>
-            <a:pPr marL="0" indent="0" defTabSz="333756">
-              <a:lnSpc>
-                <a:spcPct val="100000"/>
-              </a:lnSpc>
-              <a:spcBef>
-                <a:spcPts val="0"/>
-              </a:spcBef>
-              <a:buSzTx/>
-              <a:buFontTx/>
-              <a:buNone/>
-              <a:defRPr sz="1898">
-                <a:solidFill>
-                  <a:srgbClr val="4E9072"/>
-                </a:solidFill>
-                <a:latin typeface="Monaco"/>
-                <a:ea typeface="Monaco"/>
-                <a:cs typeface="Monaco"/>
-                <a:sym typeface="Monaco"/>
-              </a:defRPr>
-            </a:pPr>
-            <a:r>
-              <a:t>测试链接：https://leetcode.cn/problems/friend-circles/</a:t>
-            </a:r>
-          </a:p>
-        </p:txBody>
-      </p:sp>
-      <p:pic>
-        <p:nvPicPr>
-          <p:cNvPr id="122" name="图片 4" descr="图片 4"/>
-          <p:cNvPicPr>
-            <a:picLocks noChangeAspect="1"/>
-          </p:cNvPicPr>
-          <p:nvPr/>
-        </p:nvPicPr>
-        <p:blipFill>
-          <a:blip r:embed="rId2">
-            <a:extLst/>
-          </a:blip>
-          <a:stretch>
-            <a:fillRect/>
-          </a:stretch>
-        </p:blipFill>
-        <p:spPr>
-          <a:xfrm>
-            <a:off x="43939" y="32544"/>
-            <a:ext cx="1635139" cy="1043783"/>
-          </a:xfrm>
-          <a:prstGeom prst="rect">
-            <a:avLst/>
-          </a:prstGeom>
-          <a:ln w="12700">
-            <a:miter lim="400000"/>
-          </a:ln>
-        </p:spPr>
-      </p:pic>
-    </p:spTree>
-  </p:cSld>
-  <p:clrMapOvr>
-    <a:masterClrMapping/>
-  </p:clrMapOvr>
-  <p:transition xmlns:p14="http://schemas.microsoft.com/office/powerpoint/2010/main" spd="med" advClick="1"/>
-</p:sld>
-</file>
-
-<file path=ppt/slides/slide7.xml><?xml version="1.0" encoding="utf-8"?>
-<p:sld xmlns:a="http://schemas.openxmlformats.org/drawingml/2006/main" xmlns:r="http://schemas.openxmlformats.org/officeDocument/2006/relationships" xmlns:p="http://schemas.openxmlformats.org/presentationml/2006/main" xmlns:m="http://schemas.openxmlformats.org/officeDocument/2006/math" xmlns:a14="http://schemas.microsoft.com/office/drawing/2010/main" showMasterSp="1" showMasterPhAnim="1">
-  <p:cSld>
-    <p:spTree>
-      <p:nvGrpSpPr>
-        <p:cNvPr id="1" name=""/>
-        <p:cNvGrpSpPr/>
-        <p:nvPr/>
-      </p:nvGrpSpPr>
-      <p:grpSpPr>
-        <a:xfrm>
-          <a:off x="0" y="0"/>
-          <a:ext cx="0" cy="0"/>
-          <a:chOff x="0" y="0"/>
-          <a:chExt cx="0" cy="0"/>
-        </a:xfrm>
-      </p:grpSpPr>
-      <p:sp>
-        <p:nvSpPr>
-          <p:cNvPr id="124" name="页脚占位符 3"/>
-          <p:cNvSpPr txBox="1"/>
-          <p:nvPr/>
-        </p:nvSpPr>
-        <p:spPr>
-          <a:xfrm>
-            <a:off x="4084320" y="6385242"/>
-            <a:ext cx="4023360" cy="307341"/>
-          </a:xfrm>
-          <a:prstGeom prst="rect">
-            <a:avLst/>
-          </a:prstGeom>
-          <a:ln w="12700">
-            <a:miter lim="400000"/>
-          </a:ln>
-          <a:extLst>
-            <a:ext uri="{C572A759-6A51-4108-AA02-DFA0A04FC94B}">
-              <ma14:wrappingTextBoxFlag xmlns:ma14="http://schemas.microsoft.com/office/mac/drawingml/2011/main" val="1"/>
-            </a:ext>
-          </a:extLst>
-        </p:spPr>
-        <p:txBody>
-          <a:bodyPr lIns="45719" rIns="45719" anchor="ctr">
-            <a:spAutoFit/>
-          </a:bodyPr>
-          <a:lstStyle/>
-          <a:p>
-            <a:pPr algn="ctr">
-              <a:defRPr sz="1200">
-                <a:solidFill>
-                  <a:srgbClr val="888888"/>
-                </a:solidFill>
-              </a:defRPr>
-            </a:pPr>
-            <a:r>
-              <a:t>马士兵教育 </a:t>
-            </a:r>
-            <a:r>
-              <a:t>http://mashibing.com</a:t>
-            </a:r>
-          </a:p>
-        </p:txBody>
-      </p:sp>
-      <p:sp>
-        <p:nvSpPr>
-          <p:cNvPr id="125" name="标题 1"/>
-          <p:cNvSpPr txBox="1"/>
-          <p:nvPr>
-            <p:ph type="title"/>
-          </p:nvPr>
-        </p:nvSpPr>
-        <p:spPr>
-          <a:xfrm>
-            <a:off x="838200" y="900238"/>
-            <a:ext cx="10515600" cy="710952"/>
-          </a:xfrm>
-          <a:prstGeom prst="rect">
-            <a:avLst/>
-          </a:prstGeom>
-        </p:spPr>
-        <p:txBody>
-          <a:bodyPr/>
-          <a:lstStyle>
-            <a:lvl1pPr>
-              <a:defRPr sz="3200"/>
-            </a:lvl1pPr>
-          </a:lstStyle>
-          <a:p>
-            <a:pPr/>
-            <a:r>
-              <a:t>题目05</a:t>
-            </a:r>
-          </a:p>
-        </p:txBody>
-      </p:sp>
-      <p:sp>
-        <p:nvSpPr>
-          <p:cNvPr id="126" name="内容占位符 2"/>
-          <p:cNvSpPr txBox="1"/>
-          <p:nvPr>
-            <p:ph type="body" idx="1"/>
-          </p:nvPr>
-        </p:nvSpPr>
-        <p:spPr>
-          <a:xfrm>
-            <a:off x="838200" y="2038410"/>
-            <a:ext cx="10515600" cy="3919611"/>
-          </a:xfrm>
-          <a:prstGeom prst="rect">
-            <a:avLst/>
-          </a:prstGeom>
-        </p:spPr>
-        <p:txBody>
-          <a:bodyPr/>
-          <a:lstStyle/>
-          <a:p>
-            <a:pPr marL="0" indent="0" defTabSz="402336">
-              <a:lnSpc>
-                <a:spcPct val="100000"/>
-              </a:lnSpc>
-              <a:spcBef>
-                <a:spcPts val="0"/>
-              </a:spcBef>
-              <a:buSzTx/>
-              <a:buFontTx/>
-              <a:buNone/>
-              <a:defRPr sz="2288">
-                <a:solidFill>
-                  <a:srgbClr val="4E9072"/>
-                </a:solidFill>
-                <a:latin typeface="Monaco"/>
-                <a:ea typeface="Monaco"/>
-                <a:cs typeface="Monaco"/>
-                <a:sym typeface="Monaco"/>
-              </a:defRPr>
-            </a:pPr>
-            <a:r>
-              <a:t>n对情侣坐在连续排列的 2n 个座位上，想要牵到对方的手</a:t>
-            </a:r>
-            <a:endParaRPr>
-              <a:solidFill>
-                <a:srgbClr val="000000"/>
-              </a:solidFill>
-            </a:endParaRPr>
-          </a:p>
-          <a:p>
-            <a:pPr marL="0" indent="0" defTabSz="402336">
-              <a:lnSpc>
-                <a:spcPct val="100000"/>
-              </a:lnSpc>
-              <a:spcBef>
-                <a:spcPts val="0"/>
-              </a:spcBef>
-              <a:buSzTx/>
-              <a:buFontTx/>
-              <a:buNone/>
-              <a:defRPr sz="2288">
-                <a:solidFill>
-                  <a:srgbClr val="4E9072"/>
-                </a:solidFill>
-                <a:latin typeface="Monaco"/>
-                <a:ea typeface="Monaco"/>
-                <a:cs typeface="Monaco"/>
-                <a:sym typeface="Monaco"/>
-              </a:defRPr>
-            </a:pPr>
-            <a:r>
-              <a:t>人和座位由一个整数数组 row 表示</a:t>
-            </a:r>
-          </a:p>
-          <a:p>
-            <a:pPr marL="0" indent="0" defTabSz="402336">
-              <a:lnSpc>
-                <a:spcPct val="100000"/>
-              </a:lnSpc>
-              <a:spcBef>
-                <a:spcPts val="0"/>
-              </a:spcBef>
-              <a:buSzTx/>
-              <a:buFontTx/>
-              <a:buNone/>
-              <a:defRPr sz="2288">
-                <a:solidFill>
-                  <a:srgbClr val="4E9072"/>
-                </a:solidFill>
-                <a:latin typeface="Monaco"/>
-                <a:ea typeface="Monaco"/>
-                <a:cs typeface="Monaco"/>
-                <a:sym typeface="Monaco"/>
-              </a:defRPr>
-            </a:pPr>
-            <a:r>
-              <a:t>其中 row[i] 是坐在第 i 个座位上的人的ID</a:t>
-            </a:r>
-            <a:endParaRPr>
-              <a:solidFill>
-                <a:srgbClr val="000000"/>
-              </a:solidFill>
-            </a:endParaRPr>
-          </a:p>
-          <a:p>
-            <a:pPr marL="0" indent="0" defTabSz="402336">
-              <a:lnSpc>
-                <a:spcPct val="100000"/>
-              </a:lnSpc>
-              <a:spcBef>
-                <a:spcPts val="0"/>
-              </a:spcBef>
-              <a:buSzTx/>
-              <a:buFontTx/>
-              <a:buNone/>
-              <a:defRPr sz="2288">
-                <a:solidFill>
-                  <a:srgbClr val="4E9072"/>
-                </a:solidFill>
-                <a:latin typeface="Monaco"/>
-                <a:ea typeface="Monaco"/>
-                <a:cs typeface="Monaco"/>
-                <a:sym typeface="Monaco"/>
-              </a:defRPr>
-            </a:pPr>
-            <a:r>
-              <a:t>情侣们按顺序编号，第一对是 (0, 1)，第二对是 (2, 3)</a:t>
-            </a:r>
-          </a:p>
-          <a:p>
-            <a:pPr marL="0" indent="0" defTabSz="402336">
-              <a:lnSpc>
-                <a:spcPct val="100000"/>
-              </a:lnSpc>
-              <a:spcBef>
-                <a:spcPts val="0"/>
-              </a:spcBef>
-              <a:buSzTx/>
-              <a:buFontTx/>
-              <a:buNone/>
-              <a:defRPr sz="2288">
-                <a:solidFill>
-                  <a:srgbClr val="4E9072"/>
-                </a:solidFill>
-                <a:latin typeface="Monaco"/>
-                <a:ea typeface="Monaco"/>
-                <a:cs typeface="Monaco"/>
-                <a:sym typeface="Monaco"/>
-              </a:defRPr>
-            </a:pPr>
-            <a:r>
-              <a:t>以此类推，最后一对是 (2n-2, 2n-1)</a:t>
-            </a:r>
-            <a:endParaRPr>
-              <a:solidFill>
-                <a:srgbClr val="000000"/>
-              </a:solidFill>
-            </a:endParaRPr>
-          </a:p>
-          <a:p>
-            <a:pPr marL="0" indent="0" defTabSz="402336">
-              <a:lnSpc>
-                <a:spcPct val="100000"/>
-              </a:lnSpc>
-              <a:spcBef>
-                <a:spcPts val="0"/>
-              </a:spcBef>
-              <a:buSzTx/>
-              <a:buFontTx/>
-              <a:buNone/>
-              <a:defRPr sz="2288">
-                <a:solidFill>
-                  <a:srgbClr val="4E9072"/>
-                </a:solidFill>
-                <a:latin typeface="Monaco"/>
-                <a:ea typeface="Monaco"/>
-                <a:cs typeface="Monaco"/>
-                <a:sym typeface="Monaco"/>
-              </a:defRPr>
-            </a:pPr>
-            <a:r>
-              <a:t>返回 最少交换座位的次数，以便每对情侣可以并肩坐在一起</a:t>
-            </a:r>
-            <a:endParaRPr>
-              <a:solidFill>
-                <a:srgbClr val="000000"/>
-              </a:solidFill>
-            </a:endParaRPr>
-          </a:p>
-          <a:p>
-            <a:pPr marL="0" indent="0" defTabSz="402336">
-              <a:lnSpc>
-                <a:spcPct val="100000"/>
-              </a:lnSpc>
-              <a:spcBef>
-                <a:spcPts val="0"/>
-              </a:spcBef>
-              <a:buSzTx/>
-              <a:buFontTx/>
-              <a:buNone/>
-              <a:defRPr sz="2288">
-                <a:solidFill>
-                  <a:srgbClr val="4E9072"/>
-                </a:solidFill>
-                <a:latin typeface="Monaco"/>
-                <a:ea typeface="Monaco"/>
-                <a:cs typeface="Monaco"/>
-                <a:sym typeface="Monaco"/>
-              </a:defRPr>
-            </a:pPr>
-            <a:r>
-              <a:t>每次交换可选择任意两人，让他们站起来交换座位</a:t>
-            </a:r>
-            <a:endParaRPr>
-              <a:solidFill>
-                <a:srgbClr val="000000"/>
-              </a:solidFill>
-            </a:endParaRPr>
-          </a:p>
-          <a:p>
-            <a:pPr marL="0" indent="0" defTabSz="402336">
-              <a:lnSpc>
-                <a:spcPct val="100000"/>
-              </a:lnSpc>
-              <a:spcBef>
-                <a:spcPts val="0"/>
-              </a:spcBef>
-              <a:buSzTx/>
-              <a:buFontTx/>
-              <a:buNone/>
-              <a:defRPr sz="2288">
-                <a:solidFill>
-                  <a:srgbClr val="4E9072"/>
-                </a:solidFill>
-                <a:latin typeface="Monaco"/>
-                <a:ea typeface="Monaco"/>
-                <a:cs typeface="Monaco"/>
-                <a:sym typeface="Monaco"/>
-              </a:defRPr>
-            </a:pPr>
-            <a:r>
-              <a:t>测试链接 : </a:t>
-            </a:r>
-          </a:p>
-          <a:p>
-            <a:pPr marL="0" indent="0" defTabSz="402336">
-              <a:lnSpc>
-                <a:spcPct val="100000"/>
-              </a:lnSpc>
-              <a:spcBef>
-                <a:spcPts val="0"/>
-              </a:spcBef>
-              <a:buSzTx/>
-              <a:buFontTx/>
-              <a:buNone/>
-              <a:defRPr sz="2288">
-                <a:solidFill>
-                  <a:srgbClr val="4E9072"/>
-                </a:solidFill>
-                <a:latin typeface="Monaco"/>
-                <a:ea typeface="Monaco"/>
-                <a:cs typeface="Monaco"/>
-                <a:sym typeface="Monaco"/>
-              </a:defRPr>
-            </a:pPr>
-            <a:r>
-              <a:t>https://leetcode.cn/problems/couples-holding-hands/</a:t>
-            </a:r>
-          </a:p>
-        </p:txBody>
-      </p:sp>
-      <p:pic>
-        <p:nvPicPr>
-          <p:cNvPr id="127" name="图片 4" descr="图片 4"/>
-          <p:cNvPicPr>
-            <a:picLocks noChangeAspect="1"/>
-          </p:cNvPicPr>
-          <p:nvPr/>
-        </p:nvPicPr>
-        <p:blipFill>
-          <a:blip r:embed="rId2">
-            <a:extLst/>
-          </a:blip>
-          <a:stretch>
-            <a:fillRect/>
-          </a:stretch>
-        </p:blipFill>
-        <p:spPr>
-          <a:xfrm>
-            <a:off x="43939" y="32544"/>
-            <a:ext cx="1635139" cy="1043783"/>
-          </a:xfrm>
-          <a:prstGeom prst="rect">
-            <a:avLst/>
-          </a:prstGeom>
-          <a:ln w="12700">
-            <a:miter lim="400000"/>
-          </a:ln>
-        </p:spPr>
-      </p:pic>
-    </p:spTree>
-  </p:cSld>
-  <p:clrMapOvr>
-    <a:masterClrMapping/>
-  </p:clrMapOvr>
-  <p:transition xmlns:p14="http://schemas.microsoft.com/office/powerpoint/2010/main" spd="med" advClick="1"/>
-</p:sld>
-</file>
-
-<file path=ppt/slides/slide8.xml><?xml version="1.0" encoding="utf-8"?>
-<p:sld xmlns:a="http://schemas.openxmlformats.org/drawingml/2006/main" xmlns:r="http://schemas.openxmlformats.org/officeDocument/2006/relationships" xmlns:p="http://schemas.openxmlformats.org/presentationml/2006/main" xmlns:m="http://schemas.openxmlformats.org/officeDocument/2006/math" xmlns:a14="http://schemas.microsoft.com/office/drawing/2010/main" showMasterSp="1" showMasterPhAnim="1">
-  <p:cSld>
-    <p:spTree>
-      <p:nvGrpSpPr>
-        <p:cNvPr id="1" name=""/>
-        <p:cNvGrpSpPr/>
-        <p:nvPr/>
-      </p:nvGrpSpPr>
-      <p:grpSpPr>
-        <a:xfrm>
-          <a:off x="0" y="0"/>
-          <a:ext cx="0" cy="0"/>
-          <a:chOff x="0" y="0"/>
-          <a:chExt cx="0" cy="0"/>
-        </a:xfrm>
-      </p:grpSpPr>
-      <p:sp>
-        <p:nvSpPr>
-          <p:cNvPr id="129" name="页脚占位符 3"/>
-          <p:cNvSpPr txBox="1"/>
-          <p:nvPr/>
-        </p:nvSpPr>
-        <p:spPr>
-          <a:xfrm>
-            <a:off x="4084320" y="6385242"/>
-            <a:ext cx="4023360" cy="307341"/>
-          </a:xfrm>
-          <a:prstGeom prst="rect">
-            <a:avLst/>
-          </a:prstGeom>
-          <a:ln w="12700">
-            <a:miter lim="400000"/>
-          </a:ln>
-          <a:extLst>
-            <a:ext uri="{C572A759-6A51-4108-AA02-DFA0A04FC94B}">
-              <ma14:wrappingTextBoxFlag xmlns:ma14="http://schemas.microsoft.com/office/mac/drawingml/2011/main" val="1"/>
-            </a:ext>
-          </a:extLst>
-        </p:spPr>
-        <p:txBody>
-          <a:bodyPr lIns="45719" rIns="45719" anchor="ctr">
-            <a:spAutoFit/>
-          </a:bodyPr>
-          <a:lstStyle/>
-          <a:p>
-            <a:pPr algn="ctr">
-              <a:defRPr sz="1200">
-                <a:solidFill>
-                  <a:srgbClr val="888888"/>
-                </a:solidFill>
-              </a:defRPr>
-            </a:pPr>
-            <a:r>
-              <a:t>马士兵教育 </a:t>
-            </a:r>
-            <a:r>
-              <a:t>http://mashibing.com</a:t>
-            </a:r>
-          </a:p>
-        </p:txBody>
-      </p:sp>
-      <p:sp>
-        <p:nvSpPr>
-          <p:cNvPr id="130" name="标题 1"/>
-          <p:cNvSpPr txBox="1"/>
-          <p:nvPr>
-            <p:ph type="title"/>
-          </p:nvPr>
-        </p:nvSpPr>
-        <p:spPr>
-          <a:xfrm>
-            <a:off x="838200" y="900238"/>
-            <a:ext cx="10515600" cy="710952"/>
-          </a:xfrm>
-          <a:prstGeom prst="rect">
-            <a:avLst/>
-          </a:prstGeom>
-        </p:spPr>
-        <p:txBody>
-          <a:bodyPr/>
-          <a:lstStyle>
-            <a:lvl1pPr>
-              <a:defRPr sz="3200"/>
-            </a:lvl1pPr>
-          </a:lstStyle>
-          <a:p>
-            <a:pPr/>
-            <a:r>
-              <a:t>题目06</a:t>
-            </a:r>
-          </a:p>
-        </p:txBody>
-      </p:sp>
-      <p:sp>
-        <p:nvSpPr>
-          <p:cNvPr id="131" name="内容占位符 2"/>
-          <p:cNvSpPr txBox="1"/>
-          <p:nvPr>
-            <p:ph type="body" idx="1"/>
-          </p:nvPr>
-        </p:nvSpPr>
-        <p:spPr>
-          <a:xfrm>
-            <a:off x="838200" y="2038410"/>
-            <a:ext cx="10515600" cy="3919611"/>
-          </a:xfrm>
-          <a:prstGeom prst="rect">
-            <a:avLst/>
-          </a:prstGeom>
-        </p:spPr>
-        <p:txBody>
-          <a:bodyPr/>
-          <a:lstStyle/>
-          <a:p>
-            <a:pPr marL="0" indent="0" defTabSz="457200">
-              <a:lnSpc>
-                <a:spcPct val="100000"/>
-              </a:lnSpc>
-              <a:spcBef>
-                <a:spcPts val="0"/>
-              </a:spcBef>
-              <a:buSzTx/>
-              <a:buFontTx/>
-              <a:buNone/>
-              <a:defRPr sz="2600">
-                <a:solidFill>
-                  <a:srgbClr val="4E9072"/>
-                </a:solidFill>
-                <a:latin typeface="Monaco"/>
-                <a:ea typeface="Monaco"/>
-                <a:cs typeface="Monaco"/>
-                <a:sym typeface="Monaco"/>
-              </a:defRPr>
-            </a:pPr>
-            <a:r>
-              <a:t>最长递增子序列算法</a:t>
-            </a:r>
-          </a:p>
-          <a:p>
-            <a:pPr marL="0" indent="0" defTabSz="457200">
-              <a:lnSpc>
-                <a:spcPct val="100000"/>
-              </a:lnSpc>
-              <a:spcBef>
-                <a:spcPts val="0"/>
-              </a:spcBef>
-              <a:buSzTx/>
-              <a:buFontTx/>
-              <a:buNone/>
-              <a:defRPr sz="2600">
-                <a:solidFill>
-                  <a:srgbClr val="4E9072"/>
-                </a:solidFill>
-                <a:latin typeface="Monaco"/>
-                <a:ea typeface="Monaco"/>
-                <a:cs typeface="Monaco"/>
-                <a:sym typeface="Monaco"/>
-              </a:defRPr>
-            </a:pPr>
-          </a:p>
-          <a:p>
-            <a:pPr marL="0" indent="0" defTabSz="457200">
-              <a:lnSpc>
-                <a:spcPct val="100000"/>
-              </a:lnSpc>
-              <a:spcBef>
-                <a:spcPts val="0"/>
-              </a:spcBef>
-              <a:buSzTx/>
-              <a:buFontTx/>
-              <a:buNone/>
-              <a:defRPr sz="2600">
-                <a:solidFill>
-                  <a:srgbClr val="4E9072"/>
-                </a:solidFill>
-                <a:latin typeface="Monaco"/>
-                <a:ea typeface="Monaco"/>
-                <a:cs typeface="Monaco"/>
-                <a:sym typeface="Monaco"/>
-              </a:defRPr>
-            </a:pPr>
-            <a:r>
-              <a:t>O(N*logN)的实现!</a:t>
-            </a:r>
-          </a:p>
-          <a:p>
-            <a:pPr marL="0" indent="0" defTabSz="457200">
-              <a:lnSpc>
-                <a:spcPct val="100000"/>
-              </a:lnSpc>
-              <a:spcBef>
-                <a:spcPts val="0"/>
-              </a:spcBef>
-              <a:buSzTx/>
-              <a:buFontTx/>
-              <a:buNone/>
-              <a:defRPr sz="2600">
-                <a:solidFill>
-                  <a:srgbClr val="4E9072"/>
-                </a:solidFill>
-                <a:latin typeface="Monaco"/>
-                <a:ea typeface="Monaco"/>
-                <a:cs typeface="Monaco"/>
-                <a:sym typeface="Monaco"/>
-              </a:defRPr>
-            </a:pPr>
-          </a:p>
-          <a:p>
-            <a:pPr marL="0" indent="0" defTabSz="457200">
-              <a:lnSpc>
-                <a:spcPct val="100000"/>
-              </a:lnSpc>
-              <a:spcBef>
-                <a:spcPts val="0"/>
-              </a:spcBef>
-              <a:buSzTx/>
-              <a:buFontTx/>
-              <a:buNone/>
-              <a:defRPr sz="2600">
-                <a:solidFill>
-                  <a:srgbClr val="4E9072"/>
-                </a:solidFill>
-                <a:latin typeface="Monaco"/>
-                <a:ea typeface="Monaco"/>
-                <a:cs typeface="Monaco"/>
-                <a:sym typeface="Monaco"/>
-              </a:defRPr>
-            </a:pPr>
-            <a:r>
-              <a:t>测试链接 : https://leetcode.cn/problems/lru-cache/</a:t>
-            </a:r>
-          </a:p>
-        </p:txBody>
-      </p:sp>
-      <p:pic>
-        <p:nvPicPr>
-          <p:cNvPr id="132" name="图片 4" descr="图片 4"/>
-          <p:cNvPicPr>
-            <a:picLocks noChangeAspect="1"/>
-          </p:cNvPicPr>
-          <p:nvPr/>
-        </p:nvPicPr>
-        <p:blipFill>
-          <a:blip r:embed="rId2">
-            <a:extLst/>
-          </a:blip>
-          <a:stretch>
-            <a:fillRect/>
-          </a:stretch>
-        </p:blipFill>
-        <p:spPr>
-          <a:xfrm>
-            <a:off x="43939" y="32544"/>
-            <a:ext cx="1635139" cy="1043783"/>
-          </a:xfrm>
-          <a:prstGeom prst="rect">
-            <a:avLst/>
-          </a:prstGeom>
-          <a:ln w="12700">
-            <a:miter lim="400000"/>
-          </a:ln>
-        </p:spPr>
-      </p:pic>
-    </p:spTree>
-  </p:cSld>
-  <p:clrMapOvr>
-    <a:masterClrMapping/>
-  </p:clrMapOvr>
-  <p:transition xmlns:p14="http://schemas.microsoft.com/office/powerpoint/2010/main" spd="med" advClick="1"/>
-</p:sld>
-</file>
-
-<file path=ppt/slides/slide9.xml><?xml version="1.0" encoding="utf-8"?>
-<p:sld xmlns:a="http://schemas.openxmlformats.org/drawingml/2006/main" xmlns:r="http://schemas.openxmlformats.org/officeDocument/2006/relationships" xmlns:p="http://schemas.openxmlformats.org/presentationml/2006/main" xmlns:m="http://schemas.openxmlformats.org/officeDocument/2006/math" xmlns:a14="http://schemas.microsoft.com/office/drawing/2010/main" showMasterSp="1" showMasterPhAnim="1">
-  <p:cSld>
-    <p:spTree>
-      <p:nvGrpSpPr>
-        <p:cNvPr id="1" name=""/>
-        <p:cNvGrpSpPr/>
-        <p:nvPr/>
-      </p:nvGrpSpPr>
-      <p:grpSpPr>
-        <a:xfrm>
-          <a:off x="0" y="0"/>
-          <a:ext cx="0" cy="0"/>
-          <a:chOff x="0" y="0"/>
-          <a:chExt cx="0" cy="0"/>
-        </a:xfrm>
-      </p:grpSpPr>
-      <p:sp>
-        <p:nvSpPr>
-          <p:cNvPr id="134" name="页脚占位符 3"/>
-          <p:cNvSpPr txBox="1"/>
-          <p:nvPr/>
-        </p:nvSpPr>
-        <p:spPr>
-          <a:xfrm>
-            <a:off x="4084320" y="6385242"/>
-            <a:ext cx="4023360" cy="307341"/>
-          </a:xfrm>
-          <a:prstGeom prst="rect">
-            <a:avLst/>
-          </a:prstGeom>
-          <a:ln w="12700">
-            <a:miter lim="400000"/>
-          </a:ln>
-          <a:extLst>
-            <a:ext uri="{C572A759-6A51-4108-AA02-DFA0A04FC94B}">
-              <ma14:wrappingTextBoxFlag xmlns:ma14="http://schemas.microsoft.com/office/mac/drawingml/2011/main" val="1"/>
-            </a:ext>
-          </a:extLst>
-        </p:spPr>
-        <p:txBody>
-          <a:bodyPr lIns="45719" rIns="45719" anchor="ctr">
-            <a:spAutoFit/>
-          </a:bodyPr>
-          <a:lstStyle/>
-          <a:p>
-            <a:pPr algn="ctr">
-              <a:defRPr sz="1200">
-                <a:solidFill>
-                  <a:srgbClr val="888888"/>
-                </a:solidFill>
-              </a:defRPr>
-            </a:pPr>
-            <a:r>
-              <a:t>马士兵教育 </a:t>
-            </a:r>
-            <a:r>
-              <a:t>http://mashibing.com</a:t>
-            </a:r>
-          </a:p>
-        </p:txBody>
-      </p:sp>
-      <p:sp>
-        <p:nvSpPr>
-          <p:cNvPr id="135" name="标题 1"/>
-          <p:cNvSpPr txBox="1"/>
-          <p:nvPr>
-            <p:ph type="title"/>
-          </p:nvPr>
-        </p:nvSpPr>
-        <p:spPr>
-          <a:xfrm>
-            <a:off x="838200" y="900238"/>
-            <a:ext cx="10515600" cy="710952"/>
-          </a:xfrm>
-          <a:prstGeom prst="rect">
-            <a:avLst/>
-          </a:prstGeom>
-        </p:spPr>
-        <p:txBody>
-          <a:bodyPr/>
-          <a:lstStyle>
-            <a:lvl1pPr>
-              <a:defRPr sz="3200"/>
-            </a:lvl1pPr>
-          </a:lstStyle>
-          <a:p>
-            <a:pPr/>
-            <a:r>
-              <a:t>题目07</a:t>
-            </a:r>
-          </a:p>
-        </p:txBody>
-      </p:sp>
-      <p:sp>
-        <p:nvSpPr>
-          <p:cNvPr id="136" name="内容占位符 2"/>
-          <p:cNvSpPr txBox="1"/>
-          <p:nvPr>
-            <p:ph type="body" idx="1"/>
-          </p:nvPr>
-        </p:nvSpPr>
-        <p:spPr>
-          <a:xfrm>
-            <a:off x="838200" y="2038410"/>
-            <a:ext cx="10515600" cy="3919611"/>
-          </a:xfrm>
-          <a:prstGeom prst="rect">
-            <a:avLst/>
-          </a:prstGeom>
-        </p:spPr>
-        <p:txBody>
-          <a:bodyPr/>
-          <a:lstStyle/>
-          <a:p>
-            <a:pPr marL="0" indent="0" defTabSz="457200">
-              <a:lnSpc>
-                <a:spcPct val="100000"/>
-              </a:lnSpc>
-              <a:spcBef>
-                <a:spcPts val="0"/>
-              </a:spcBef>
-              <a:buSzTx/>
-              <a:buFontTx/>
-              <a:buNone/>
-              <a:defRPr sz="2600">
-                <a:solidFill>
-                  <a:srgbClr val="4E9072"/>
-                </a:solidFill>
-                <a:latin typeface="Monaco"/>
-                <a:ea typeface="Monaco"/>
-                <a:cs typeface="Monaco"/>
-                <a:sym typeface="Monaco"/>
-              </a:defRPr>
-            </a:pPr>
-            <a:r>
-              <a:t>LRU内存替换算法</a:t>
-            </a:r>
-          </a:p>
-          <a:p>
-            <a:pPr marL="0" indent="0" defTabSz="457200">
-              <a:lnSpc>
-                <a:spcPct val="100000"/>
-              </a:lnSpc>
-              <a:spcBef>
-                <a:spcPts val="0"/>
-              </a:spcBef>
-              <a:buSzTx/>
-              <a:buFontTx/>
-              <a:buNone/>
-              <a:defRPr sz="2600">
-                <a:solidFill>
-                  <a:srgbClr val="4E9072"/>
-                </a:solidFill>
-                <a:latin typeface="Monaco"/>
-                <a:ea typeface="Monaco"/>
-                <a:cs typeface="Monaco"/>
-                <a:sym typeface="Monaco"/>
-              </a:defRPr>
-            </a:pPr>
-          </a:p>
-          <a:p>
-            <a:pPr marL="0" indent="0" defTabSz="457200">
-              <a:lnSpc>
-                <a:spcPct val="100000"/>
-              </a:lnSpc>
-              <a:spcBef>
-                <a:spcPts val="0"/>
-              </a:spcBef>
-              <a:buSzTx/>
-              <a:buFontTx/>
-              <a:buNone/>
-              <a:defRPr sz="2600">
-                <a:solidFill>
-                  <a:srgbClr val="4E9072"/>
-                </a:solidFill>
-                <a:latin typeface="Monaco"/>
-                <a:ea typeface="Monaco"/>
-                <a:cs typeface="Monaco"/>
-                <a:sym typeface="Monaco"/>
-              </a:defRPr>
-            </a:pPr>
-            <a:r>
-              <a:t>get和put都是O(1)的时间复杂度！</a:t>
-            </a:r>
-          </a:p>
-          <a:p>
-            <a:pPr marL="0" indent="0" defTabSz="457200">
-              <a:lnSpc>
-                <a:spcPct val="100000"/>
-              </a:lnSpc>
-              <a:spcBef>
-                <a:spcPts val="0"/>
-              </a:spcBef>
-              <a:buSzTx/>
-              <a:buFontTx/>
-              <a:buNone/>
-              <a:defRPr sz="2600">
-                <a:solidFill>
-                  <a:srgbClr val="4E9072"/>
-                </a:solidFill>
-                <a:latin typeface="Monaco"/>
-                <a:ea typeface="Monaco"/>
-                <a:cs typeface="Monaco"/>
-                <a:sym typeface="Monaco"/>
-              </a:defRPr>
-            </a:pPr>
-          </a:p>
-          <a:p>
-            <a:pPr marL="0" indent="0" defTabSz="457200">
-              <a:lnSpc>
-                <a:spcPct val="100000"/>
-              </a:lnSpc>
-              <a:spcBef>
-                <a:spcPts val="0"/>
-              </a:spcBef>
-              <a:buSzTx/>
-              <a:buFontTx/>
-              <a:buNone/>
-              <a:defRPr sz="2600">
-                <a:solidFill>
-                  <a:srgbClr val="4E9072"/>
-                </a:solidFill>
-                <a:latin typeface="Monaco"/>
-                <a:ea typeface="Monaco"/>
-                <a:cs typeface="Monaco"/>
-                <a:sym typeface="Monaco"/>
-              </a:defRPr>
-            </a:pPr>
-            <a:r>
-              <a:t>测试链接 : https://leetcode.cn/problems/lru-cache/</a:t>
-            </a:r>
-          </a:p>
-        </p:txBody>
-      </p:sp>
-      <p:pic>
-        <p:nvPicPr>
-          <p:cNvPr id="137" name="图片 4" descr="图片 4"/>
           <p:cNvPicPr>
             <a:picLocks noChangeAspect="1"/>
           </p:cNvPicPr>
